--- a/Project 3.pptx
+++ b/Project 3.pptx
@@ -2992,23 +2992,22 @@
         <p:spPr/>
         <p:txBody>
           <a:bodyPr>
-            <a:normAutofit/>
+            <a:normAutofit fontScale="90000"/>
           </a:bodyPr>
           <a:lstStyle/>
           <a:p>
             <a:r>
-              <a:rPr lang="en-US" dirty="0" smtClean="0"/>
-              <a:t>Effect </a:t>
-            </a:r>
-            <a:r>
               <a:rPr lang="en-US" dirty="0"/>
-              <a:t>of </a:t>
-            </a:r>
-            <a:r>
-              <a:rPr lang="en-US" dirty="0" smtClean="0"/>
-              <a:t>alcohol on student grades</a:t>
-            </a:r>
-            <a:endParaRPr lang="en-US" dirty="0"/>
+              <a:t>Effect of </a:t>
+            </a:r>
+            <a:r>
+              <a:rPr lang="en-US"/>
+              <a:t>alcohol consumption </a:t>
+            </a:r>
+            <a:r>
+              <a:rPr lang="en-US" dirty="0"/>
+              <a:t>on student grades</a:t>
+            </a:r>
           </a:p>
         </p:txBody>
       </p:sp>
@@ -3028,10 +3027,9 @@
           <a:lstStyle/>
           <a:p>
             <a:r>
-              <a:rPr lang="en-US" dirty="0" smtClean="0"/>
+              <a:rPr lang="en-US" dirty="0"/>
               <a:t>John, Eden, Michael</a:t>
             </a:r>
-            <a:endParaRPr lang="en-US" dirty="0"/>
           </a:p>
         </p:txBody>
       </p:sp>
@@ -3365,7 +3363,7 @@
           <a:lstStyle/>
           <a:p>
             <a:r>
-              <a:rPr lang="en-US" dirty="0" smtClean="0">
+              <a:rPr lang="en-US" dirty="0">
                 <a:solidFill>
                   <a:schemeClr val="bg1"/>
                 </a:solidFill>
@@ -3375,7 +3373,7 @@
           </a:p>
           <a:p>
             <a:r>
-              <a:rPr lang="en-US" dirty="0" err="1" smtClean="0">
+              <a:rPr lang="en-US" dirty="0" err="1">
                 <a:solidFill>
                   <a:schemeClr val="bg1"/>
                 </a:solidFill>
@@ -3383,56 +3381,33 @@
               <a:t>Sklearn</a:t>
             </a:r>
             <a:r>
-              <a:rPr lang="en-US" dirty="0" smtClean="0">
+              <a:rPr lang="en-US" dirty="0">
                 <a:solidFill>
                   <a:schemeClr val="bg1"/>
                 </a:solidFill>
               </a:rPr>
-              <a:t>/SVM </a:t>
-            </a:r>
-            <a:r>
-              <a:rPr lang="en-US" dirty="0" smtClean="0">
-                <a:solidFill>
-                  <a:schemeClr val="bg1"/>
-                </a:solidFill>
-              </a:rPr>
-              <a:t>Machine Learning</a:t>
-            </a:r>
-            <a:endParaRPr lang="en-US" dirty="0">
-              <a:solidFill>
-                <a:schemeClr val="bg1"/>
-              </a:solidFill>
-            </a:endParaRPr>
-          </a:p>
-          <a:p>
-            <a:r>
-              <a:rPr lang="en-US" dirty="0" smtClean="0">
+              <a:t>/SVM Machine Learning</a:t>
+            </a:r>
+          </a:p>
+          <a:p>
+            <a:r>
+              <a:rPr lang="en-US" dirty="0">
                 <a:solidFill>
                   <a:schemeClr val="bg1"/>
                 </a:solidFill>
               </a:rPr>
               <a:t>Tableau</a:t>
             </a:r>
-            <a:endParaRPr lang="en-US" dirty="0">
-              <a:solidFill>
-                <a:schemeClr val="bg1"/>
-              </a:solidFill>
-            </a:endParaRPr>
-          </a:p>
-          <a:p>
-            <a:r>
-              <a:rPr lang="en-US" dirty="0" smtClean="0">
+          </a:p>
+          <a:p>
+            <a:r>
+              <a:rPr lang="en-US" dirty="0">
                 <a:solidFill>
                   <a:schemeClr val="bg1"/>
                 </a:solidFill>
               </a:rPr>
               <a:t>HTML/CSS/Bootstrap</a:t>
             </a:r>
-            <a:endParaRPr lang="en-US" dirty="0">
-              <a:solidFill>
-                <a:schemeClr val="bg1"/>
-              </a:solidFill>
-            </a:endParaRPr>
           </a:p>
         </p:txBody>
       </p:sp>
@@ -3446,13 +3421,6 @@
   <p:clrMapOvr>
     <a:masterClrMapping/>
   </p:clrMapOvr>
-  <p:timing>
-    <p:tnLst>
-      <p:par>
-        <p:cTn id="1" dur="indefinite" restart="never" nodeType="tmRoot"/>
-      </p:par>
-    </p:tnLst>
-  </p:timing>
 </p:sld>
 </file>
 
@@ -3490,18 +3458,13 @@
           <a:p>
             <a:pPr algn="ctr"/>
             <a:r>
-              <a:rPr lang="en-US" dirty="0" smtClean="0">
+              <a:rPr lang="en-US" dirty="0">
                 <a:solidFill>
                   <a:schemeClr val="bg1"/>
                 </a:solidFill>
               </a:rPr>
               <a:t>Data Source</a:t>
             </a:r>
-            <a:endParaRPr lang="en-US" dirty="0">
-              <a:solidFill>
-                <a:schemeClr val="bg1"/>
-              </a:solidFill>
-            </a:endParaRPr>
           </a:p>
         </p:txBody>
       </p:sp>
@@ -3524,19 +3487,13 @@
               <a:rPr lang="en-US" dirty="0">
                 <a:hlinkClick r:id="rId2"/>
               </a:rPr>
-              <a:t>https://</a:t>
-            </a:r>
-            <a:r>
-              <a:rPr lang="en-US" dirty="0" smtClean="0">
-                <a:hlinkClick r:id="rId2"/>
-              </a:rPr>
-              <a:t>www.kaggle.com/uciml/student-alcohol-consumption</a:t>
-            </a:r>
-            <a:endParaRPr lang="en-US" dirty="0" smtClean="0"/>
-          </a:p>
-          <a:p>
-            <a:r>
-              <a:rPr lang="en-US" dirty="0" smtClean="0">
+              <a:t>https://www.kaggle.com/uciml/student-alcohol-consumption</a:t>
+            </a:r>
+            <a:endParaRPr lang="en-US" dirty="0"/>
+          </a:p>
+          <a:p>
+            <a:r>
+              <a:rPr lang="en-US" dirty="0">
                 <a:solidFill>
                   <a:schemeClr val="bg1"/>
                 </a:solidFill>
@@ -3546,7 +3503,7 @@
           </a:p>
           <a:p>
             <a:r>
-              <a:rPr lang="en-US" dirty="0" smtClean="0">
+              <a:rPr lang="en-US" dirty="0">
                 <a:solidFill>
                   <a:schemeClr val="bg1"/>
                 </a:solidFill>
@@ -3609,18 +3566,13 @@
           <a:lstStyle/>
           <a:p>
             <a:r>
-              <a:rPr lang="en-US" dirty="0" smtClean="0">
+              <a:rPr lang="en-US" dirty="0">
                 <a:solidFill>
                   <a:schemeClr val="bg1"/>
                 </a:solidFill>
               </a:rPr>
               <a:t>Problem Being Addressed</a:t>
             </a:r>
-            <a:endParaRPr lang="en-US" dirty="0">
-              <a:solidFill>
-                <a:schemeClr val="bg1"/>
-              </a:solidFill>
-            </a:endParaRPr>
           </a:p>
         </p:txBody>
       </p:sp>
@@ -3640,7 +3592,7 @@
           <a:lstStyle/>
           <a:p>
             <a:r>
-              <a:rPr lang="en-US" dirty="0" smtClean="0">
+              <a:rPr lang="en-US" dirty="0">
                 <a:solidFill>
                   <a:schemeClr val="bg1"/>
                 </a:solidFill>
@@ -3650,7 +3602,7 @@
           </a:p>
           <a:p>
             <a:r>
-              <a:rPr lang="en-US" dirty="0" smtClean="0">
+              <a:rPr lang="en-US" dirty="0">
                 <a:solidFill>
                   <a:schemeClr val="bg1"/>
                 </a:solidFill>
@@ -3658,7 +3610,7 @@
               <a:t>We dove into the data as far as daily vs weekend alcohol </a:t>
             </a:r>
             <a:r>
-              <a:rPr lang="en-US" dirty="0" err="1" smtClean="0">
+              <a:rPr lang="en-US" dirty="0" err="1">
                 <a:solidFill>
                   <a:schemeClr val="bg1"/>
                 </a:solidFill>
@@ -3666,7 +3618,7 @@
               <a:t>consumtion</a:t>
             </a:r>
             <a:r>
-              <a:rPr lang="en-US" dirty="0" smtClean="0">
+              <a:rPr lang="en-US" dirty="0">
                 <a:solidFill>
                   <a:schemeClr val="bg1"/>
                 </a:solidFill>
@@ -3676,7 +3628,7 @@
           </a:p>
           <a:p>
             <a:r>
-              <a:rPr lang="en-US" dirty="0" smtClean="0">
+              <a:rPr lang="en-US" dirty="0">
                 <a:solidFill>
                   <a:schemeClr val="bg1"/>
                 </a:solidFill>
@@ -3740,74 +3692,64 @@
           <a:p>
             <a:pPr algn="ctr"/>
             <a:r>
-              <a:rPr lang="en-US" dirty="0" smtClean="0">
+              <a:rPr lang="en-US" dirty="0">
                 <a:solidFill>
                   <a:schemeClr val="bg1"/>
                 </a:solidFill>
               </a:rPr>
               <a:t>Conclusion</a:t>
             </a:r>
+          </a:p>
+        </p:txBody>
+      </p:sp>
+      <p:sp>
+        <p:nvSpPr>
+          <p:cNvPr id="3" name="Content Placeholder 2"/>
+          <p:cNvSpPr>
+            <a:spLocks noGrp="1"/>
+          </p:cNvSpPr>
+          <p:nvPr>
+            <p:ph idx="1"/>
+          </p:nvPr>
+        </p:nvSpPr>
+        <p:spPr/>
+        <p:txBody>
+          <a:bodyPr/>
+          <a:lstStyle/>
+          <a:p>
+            <a:r>
+              <a:rPr lang="en-US" dirty="0">
+                <a:solidFill>
+                  <a:schemeClr val="bg1"/>
+                </a:solidFill>
+              </a:rPr>
+              <a:t>Actual and predicted data showed that students can be heavy drinkers on both the weekend and weekdays and still pass with a “C”. However, if their goal is an “A” then they will need to reduce to a low level of </a:t>
+            </a:r>
+            <a:r>
+              <a:rPr lang="en-US">
+                <a:solidFill>
+                  <a:schemeClr val="bg1"/>
+                </a:solidFill>
+              </a:rPr>
+              <a:t>drinking.</a:t>
+            </a:r>
+          </a:p>
+          <a:p>
             <a:endParaRPr lang="en-US" dirty="0">
               <a:solidFill>
                 <a:schemeClr val="bg1"/>
               </a:solidFill>
             </a:endParaRPr>
           </a:p>
-        </p:txBody>
-      </p:sp>
-      <p:sp>
-        <p:nvSpPr>
-          <p:cNvPr id="3" name="Content Placeholder 2"/>
-          <p:cNvSpPr>
-            <a:spLocks noGrp="1"/>
-          </p:cNvSpPr>
-          <p:nvPr>
-            <p:ph idx="1"/>
-          </p:nvPr>
-        </p:nvSpPr>
-        <p:spPr/>
-        <p:txBody>
-          <a:bodyPr/>
-          <a:lstStyle/>
-          <a:p>
-            <a:r>
-              <a:rPr lang="en-US" dirty="0" smtClean="0">
-                <a:solidFill>
-                  <a:schemeClr val="bg1"/>
-                </a:solidFill>
-              </a:rPr>
-              <a:t>Actual and predicted data showed that students can be heavy drinkers on both the weekend and weekdays and still pass with a “C”. However, if their goal is an “A” then they will need to reduce to a low level of </a:t>
-            </a:r>
-            <a:r>
-              <a:rPr lang="en-US" smtClean="0">
-                <a:solidFill>
-                  <a:schemeClr val="bg1"/>
-                </a:solidFill>
-              </a:rPr>
-              <a:t>drinking.</a:t>
-            </a:r>
-          </a:p>
-          <a:p>
-            <a:endParaRPr lang="en-US" dirty="0" smtClean="0">
-              <a:solidFill>
-                <a:schemeClr val="bg1"/>
-              </a:solidFill>
-            </a:endParaRPr>
-          </a:p>
-          <a:p>
-            <a:r>
-              <a:rPr lang="en-US" dirty="0" smtClean="0">
+          <a:p>
+            <a:r>
+              <a:rPr lang="en-US" dirty="0">
                 <a:solidFill>
                   <a:schemeClr val="bg1"/>
                 </a:solidFill>
               </a:rPr>
               <a:t>Let’s go explore the Data…</a:t>
             </a:r>
-            <a:endParaRPr lang="en-US" dirty="0">
-              <a:solidFill>
-                <a:schemeClr val="bg1"/>
-              </a:solidFill>
-            </a:endParaRPr>
           </a:p>
         </p:txBody>
       </p:sp>

--- a/Project 3.pptx
+++ b/Project 3.pptx
@@ -245,7 +245,7 @@
           <a:p>
             <a:fld id="{12E52447-60D6-491E-BFAB-FA8E8653151C}" type="datetimeFigureOut">
               <a:rPr lang="en-US" smtClean="0"/>
-              <a:t>4/6/2020</a:t>
+              <a:t>4/8/2020</a:t>
             </a:fld>
             <a:endParaRPr lang="en-US"/>
           </a:p>
@@ -413,7 +413,7 @@
           <a:p>
             <a:fld id="{12E52447-60D6-491E-BFAB-FA8E8653151C}" type="datetimeFigureOut">
               <a:rPr lang="en-US" smtClean="0"/>
-              <a:t>4/6/2020</a:t>
+              <a:t>4/8/2020</a:t>
             </a:fld>
             <a:endParaRPr lang="en-US"/>
           </a:p>
@@ -591,7 +591,7 @@
           <a:p>
             <a:fld id="{12E52447-60D6-491E-BFAB-FA8E8653151C}" type="datetimeFigureOut">
               <a:rPr lang="en-US" smtClean="0"/>
-              <a:t>4/6/2020</a:t>
+              <a:t>4/8/2020</a:t>
             </a:fld>
             <a:endParaRPr lang="en-US"/>
           </a:p>
@@ -759,7 +759,7 @@
           <a:p>
             <a:fld id="{12E52447-60D6-491E-BFAB-FA8E8653151C}" type="datetimeFigureOut">
               <a:rPr lang="en-US" smtClean="0"/>
-              <a:t>4/6/2020</a:t>
+              <a:t>4/8/2020</a:t>
             </a:fld>
             <a:endParaRPr lang="en-US"/>
           </a:p>
@@ -1004,7 +1004,7 @@
           <a:p>
             <a:fld id="{12E52447-60D6-491E-BFAB-FA8E8653151C}" type="datetimeFigureOut">
               <a:rPr lang="en-US" smtClean="0"/>
-              <a:t>4/6/2020</a:t>
+              <a:t>4/8/2020</a:t>
             </a:fld>
             <a:endParaRPr lang="en-US"/>
           </a:p>
@@ -1233,7 +1233,7 @@
           <a:p>
             <a:fld id="{12E52447-60D6-491E-BFAB-FA8E8653151C}" type="datetimeFigureOut">
               <a:rPr lang="en-US" smtClean="0"/>
-              <a:t>4/6/2020</a:t>
+              <a:t>4/8/2020</a:t>
             </a:fld>
             <a:endParaRPr lang="en-US"/>
           </a:p>
@@ -1597,7 +1597,7 @@
           <a:p>
             <a:fld id="{12E52447-60D6-491E-BFAB-FA8E8653151C}" type="datetimeFigureOut">
               <a:rPr lang="en-US" smtClean="0"/>
-              <a:t>4/6/2020</a:t>
+              <a:t>4/8/2020</a:t>
             </a:fld>
             <a:endParaRPr lang="en-US"/>
           </a:p>
@@ -1714,7 +1714,7 @@
           <a:p>
             <a:fld id="{12E52447-60D6-491E-BFAB-FA8E8653151C}" type="datetimeFigureOut">
               <a:rPr lang="en-US" smtClean="0"/>
-              <a:t>4/6/2020</a:t>
+              <a:t>4/8/2020</a:t>
             </a:fld>
             <a:endParaRPr lang="en-US"/>
           </a:p>
@@ -1809,7 +1809,7 @@
           <a:p>
             <a:fld id="{12E52447-60D6-491E-BFAB-FA8E8653151C}" type="datetimeFigureOut">
               <a:rPr lang="en-US" smtClean="0"/>
-              <a:t>4/6/2020</a:t>
+              <a:t>4/8/2020</a:t>
             </a:fld>
             <a:endParaRPr lang="en-US"/>
           </a:p>
@@ -2084,7 +2084,7 @@
           <a:p>
             <a:fld id="{12E52447-60D6-491E-BFAB-FA8E8653151C}" type="datetimeFigureOut">
               <a:rPr lang="en-US" smtClean="0"/>
-              <a:t>4/6/2020</a:t>
+              <a:t>4/8/2020</a:t>
             </a:fld>
             <a:endParaRPr lang="en-US"/>
           </a:p>
@@ -2336,7 +2336,7 @@
           <a:p>
             <a:fld id="{12E52447-60D6-491E-BFAB-FA8E8653151C}" type="datetimeFigureOut">
               <a:rPr lang="en-US" smtClean="0"/>
-              <a:t>4/6/2020</a:t>
+              <a:t>4/8/2020</a:t>
             </a:fld>
             <a:endParaRPr lang="en-US"/>
           </a:p>
@@ -2559,7 +2559,7 @@
           <a:p>
             <a:fld id="{12E52447-60D6-491E-BFAB-FA8E8653151C}" type="datetimeFigureOut">
               <a:rPr lang="en-US" smtClean="0"/>
-              <a:t>4/6/2020</a:t>
+              <a:t>4/8/2020</a:t>
             </a:fld>
             <a:endParaRPr lang="en-US"/>
           </a:p>
@@ -3401,13 +3401,36 @@
           </a:p>
           <a:p>
             <a:r>
-              <a:rPr lang="en-US" dirty="0">
+              <a:rPr lang="en-US" dirty="0" smtClean="0">
                 <a:solidFill>
                   <a:schemeClr val="bg1"/>
                 </a:solidFill>
               </a:rPr>
               <a:t>HTML/CSS/Bootstrap</a:t>
             </a:r>
+          </a:p>
+          <a:p>
+            <a:r>
+              <a:rPr lang="en-US" dirty="0" err="1">
+                <a:solidFill>
+                  <a:schemeClr val="bg1"/>
+                </a:solidFill>
+              </a:rPr>
+              <a:t>H</a:t>
+            </a:r>
+            <a:r>
+              <a:rPr lang="en-US" dirty="0" err="1" smtClean="0">
+                <a:solidFill>
+                  <a:schemeClr val="bg1"/>
+                </a:solidFill>
+              </a:rPr>
+              <a:t>eroku</a:t>
+            </a:r>
+            <a:endParaRPr lang="en-US" dirty="0">
+              <a:solidFill>
+                <a:schemeClr val="bg1"/>
+              </a:solidFill>
+            </a:endParaRPr>
           </a:p>
         </p:txBody>
       </p:sp>
@@ -3723,15 +3746,7 @@
                   <a:schemeClr val="bg1"/>
                 </a:solidFill>
               </a:rPr>
-              <a:t>Actual and predicted data showed that students can be heavy drinkers on both the weekend and weekdays and still pass with a “C”. However, if their goal is an “A” then they will need to reduce to a low level of </a:t>
-            </a:r>
-            <a:r>
-              <a:rPr lang="en-US">
-                <a:solidFill>
-                  <a:schemeClr val="bg1"/>
-                </a:solidFill>
-              </a:rPr>
-              <a:t>drinking.</a:t>
+              <a:t>Actual and predicted data showed that students can be heavy drinkers on both the weekend and weekdays and still pass with a “C”. However, if their goal is an “A” then they will need to reduce to a low level of drinking.</a:t>
             </a:r>
           </a:p>
           <a:p>
@@ -3748,8 +3763,29 @@
                   <a:schemeClr val="bg1"/>
                 </a:solidFill>
               </a:rPr>
-              <a:t>Let’s go explore the Data…</a:t>
-            </a:r>
+              <a:t>Let’s go explore the Data</a:t>
+            </a:r>
+            <a:r>
+              <a:rPr lang="en-US" dirty="0" smtClean="0">
+                <a:solidFill>
+                  <a:schemeClr val="bg1"/>
+                </a:solidFill>
+              </a:rPr>
+              <a:t>…</a:t>
+            </a:r>
+          </a:p>
+          <a:p>
+            <a:r>
+              <a:rPr lang="en-US" dirty="0">
+                <a:hlinkClick r:id="rId2"/>
+              </a:rPr>
+              <a:t>https://data-bootcamp-project-3.herokuapp.com/home.html</a:t>
+            </a:r>
+            <a:endParaRPr lang="en-US" dirty="0">
+              <a:solidFill>
+                <a:schemeClr val="bg1"/>
+              </a:solidFill>
+            </a:endParaRPr>
           </a:p>
         </p:txBody>
       </p:sp>
